--- a/classes/prog2015/Prog3-Lecture13.pptx
+++ b/classes/prog2015/Prog3-Lecture13.pptx
@@ -15,6 +15,11 @@
     <p:sldId id="263" r:id="rId9"/>
     <p:sldId id="264" r:id="rId10"/>
     <p:sldId id="265" r:id="rId11"/>
+    <p:sldId id="266" r:id="rId12"/>
+    <p:sldId id="267" r:id="rId13"/>
+    <p:sldId id="268" r:id="rId14"/>
+    <p:sldId id="269" r:id="rId15"/>
+    <p:sldId id="270" r:id="rId16"/>
   </p:sldIdLst>
   <p:sldSz cx="12192000" cy="6858000"/>
   <p:notesSz cx="6858000" cy="9144000"/>
@@ -113,6 +118,11 @@
       </a:defRPr>
     </a:lvl9pPr>
   </p:defaultTextStyle>
+  <p:extLst>
+    <p:ext uri="{EFAFB233-063F-42B5-8137-9DF3F51BA10A}">
+      <p15:sldGuideLst xmlns:p15="http://schemas.microsoft.com/office/powerpoint/2012/main"/>
+    </p:ext>
+  </p:extLst>
 </p:presentation>
 </file>
 
@@ -247,7 +257,7 @@
           <a:p>
             <a:fld id="{56E94B4F-4191-4471-B2B2-5F1FC52F3D59}" type="datetimeFigureOut">
               <a:rPr lang="en-US" smtClean="0"/>
-              <a:t>10/30/2015</a:t>
+              <a:t>11/1/2015</a:t>
             </a:fld>
             <a:endParaRPr lang="en-US"/>
           </a:p>
@@ -417,7 +427,7 @@
           <a:p>
             <a:fld id="{56E94B4F-4191-4471-B2B2-5F1FC52F3D59}" type="datetimeFigureOut">
               <a:rPr lang="en-US" smtClean="0"/>
-              <a:t>10/30/2015</a:t>
+              <a:t>11/1/2015</a:t>
             </a:fld>
             <a:endParaRPr lang="en-US"/>
           </a:p>
@@ -597,7 +607,7 @@
           <a:p>
             <a:fld id="{56E94B4F-4191-4471-B2B2-5F1FC52F3D59}" type="datetimeFigureOut">
               <a:rPr lang="en-US" smtClean="0"/>
-              <a:t>10/30/2015</a:t>
+              <a:t>11/1/2015</a:t>
             </a:fld>
             <a:endParaRPr lang="en-US"/>
           </a:p>
@@ -767,7 +777,7 @@
           <a:p>
             <a:fld id="{56E94B4F-4191-4471-B2B2-5F1FC52F3D59}" type="datetimeFigureOut">
               <a:rPr lang="en-US" smtClean="0"/>
-              <a:t>10/30/2015</a:t>
+              <a:t>11/1/2015</a:t>
             </a:fld>
             <a:endParaRPr lang="en-US"/>
           </a:p>
@@ -1013,7 +1023,7 @@
           <a:p>
             <a:fld id="{56E94B4F-4191-4471-B2B2-5F1FC52F3D59}" type="datetimeFigureOut">
               <a:rPr lang="en-US" smtClean="0"/>
-              <a:t>10/30/2015</a:t>
+              <a:t>11/1/2015</a:t>
             </a:fld>
             <a:endParaRPr lang="en-US"/>
           </a:p>
@@ -1245,7 +1255,7 @@
           <a:p>
             <a:fld id="{56E94B4F-4191-4471-B2B2-5F1FC52F3D59}" type="datetimeFigureOut">
               <a:rPr lang="en-US" smtClean="0"/>
-              <a:t>10/30/2015</a:t>
+              <a:t>11/1/2015</a:t>
             </a:fld>
             <a:endParaRPr lang="en-US"/>
           </a:p>
@@ -1612,7 +1622,7 @@
           <a:p>
             <a:fld id="{56E94B4F-4191-4471-B2B2-5F1FC52F3D59}" type="datetimeFigureOut">
               <a:rPr lang="en-US" smtClean="0"/>
-              <a:t>10/30/2015</a:t>
+              <a:t>11/1/2015</a:t>
             </a:fld>
             <a:endParaRPr lang="en-US"/>
           </a:p>
@@ -1730,7 +1740,7 @@
           <a:p>
             <a:fld id="{56E94B4F-4191-4471-B2B2-5F1FC52F3D59}" type="datetimeFigureOut">
               <a:rPr lang="en-US" smtClean="0"/>
-              <a:t>10/30/2015</a:t>
+              <a:t>11/1/2015</a:t>
             </a:fld>
             <a:endParaRPr lang="en-US"/>
           </a:p>
@@ -1825,7 +1835,7 @@
           <a:p>
             <a:fld id="{56E94B4F-4191-4471-B2B2-5F1FC52F3D59}" type="datetimeFigureOut">
               <a:rPr lang="en-US" smtClean="0"/>
-              <a:t>10/30/2015</a:t>
+              <a:t>11/1/2015</a:t>
             </a:fld>
             <a:endParaRPr lang="en-US"/>
           </a:p>
@@ -2102,7 +2112,7 @@
           <a:p>
             <a:fld id="{56E94B4F-4191-4471-B2B2-5F1FC52F3D59}" type="datetimeFigureOut">
               <a:rPr lang="en-US" smtClean="0"/>
-              <a:t>10/30/2015</a:t>
+              <a:t>11/1/2015</a:t>
             </a:fld>
             <a:endParaRPr lang="en-US"/>
           </a:p>
@@ -2355,7 +2365,7 @@
           <a:p>
             <a:fld id="{56E94B4F-4191-4471-B2B2-5F1FC52F3D59}" type="datetimeFigureOut">
               <a:rPr lang="en-US" smtClean="0"/>
-              <a:t>10/30/2015</a:t>
+              <a:t>11/1/2015</a:t>
             </a:fld>
             <a:endParaRPr lang="en-US"/>
           </a:p>
@@ -2568,7 +2578,7 @@
           <a:p>
             <a:fld id="{56E94B4F-4191-4471-B2B2-5F1FC52F3D59}" type="datetimeFigureOut">
               <a:rPr lang="en-US" smtClean="0"/>
-              <a:t>10/30/2015</a:t>
+              <a:t>11/1/2015</a:t>
             </a:fld>
             <a:endParaRPr lang="en-US"/>
           </a:p>
@@ -3182,6 +3192,812 @@
 </p:sld>
 </file>
 
+<file path=ppt/slides/slide11.xml><?xml version="1.0" encoding="utf-8"?>
+<p:sld xmlns:a="http://schemas.openxmlformats.org/drawingml/2006/main" xmlns:r="http://schemas.openxmlformats.org/officeDocument/2006/relationships" xmlns:p="http://schemas.openxmlformats.org/presentationml/2006/main">
+  <p:cSld>
+    <p:spTree>
+      <p:nvGrpSpPr>
+        <p:cNvPr id="1" name=""/>
+        <p:cNvGrpSpPr/>
+        <p:nvPr/>
+      </p:nvGrpSpPr>
+      <p:grpSpPr>
+        <a:xfrm>
+          <a:off x="0" y="0"/>
+          <a:ext cx="0" cy="0"/>
+          <a:chOff x="0" y="0"/>
+          <a:chExt cx="0" cy="0"/>
+        </a:xfrm>
+      </p:grpSpPr>
+      <p:sp>
+        <p:nvSpPr>
+          <p:cNvPr id="4" name="TextBox 3"/>
+          <p:cNvSpPr txBox="1"/>
+          <p:nvPr/>
+        </p:nvSpPr>
+        <p:spPr>
+          <a:xfrm>
+            <a:off x="973777" y="451262"/>
+            <a:ext cx="6045053" cy="369332"/>
+          </a:xfrm>
+          <a:prstGeom prst="rect">
+            <a:avLst/>
+          </a:prstGeom>
+          <a:noFill/>
+        </p:spPr>
+        <p:txBody>
+          <a:bodyPr wrap="none" rtlCol="0">
+            <a:spAutoFit/>
+          </a:bodyPr>
+          <a:lstStyle/>
+          <a:p>
+            <a:r>
+              <a:rPr lang="en-US" dirty="0" err="1" smtClean="0"/>
+              <a:t>Prefuse</a:t>
+            </a:r>
+            <a:r>
+              <a:rPr lang="en-US" dirty="0" smtClean="0"/>
+              <a:t> is an absolutely gorgeous visualization library for Java..</a:t>
+            </a:r>
+            <a:endParaRPr lang="en-US" dirty="0"/>
+          </a:p>
+        </p:txBody>
+      </p:sp>
+      <p:sp>
+        <p:nvSpPr>
+          <p:cNvPr id="5" name="Rectangle 4"/>
+          <p:cNvSpPr/>
+          <p:nvPr/>
+        </p:nvSpPr>
+        <p:spPr>
+          <a:xfrm>
+            <a:off x="1228505" y="1320531"/>
+            <a:ext cx="1992277" cy="369332"/>
+          </a:xfrm>
+          <a:prstGeom prst="rect">
+            <a:avLst/>
+          </a:prstGeom>
+        </p:spPr>
+        <p:txBody>
+          <a:bodyPr wrap="none">
+            <a:spAutoFit/>
+          </a:bodyPr>
+          <a:lstStyle/>
+          <a:p>
+            <a:r>
+              <a:rPr lang="en-US" dirty="0"/>
+              <a:t>http://prefuse.org/</a:t>
+            </a:r>
+          </a:p>
+        </p:txBody>
+      </p:sp>
+      <p:sp>
+        <p:nvSpPr>
+          <p:cNvPr id="6" name="Rectangle 5"/>
+          <p:cNvSpPr/>
+          <p:nvPr/>
+        </p:nvSpPr>
+        <p:spPr>
+          <a:xfrm>
+            <a:off x="1228505" y="1689863"/>
+            <a:ext cx="3563668" cy="369332"/>
+          </a:xfrm>
+          <a:prstGeom prst="rect">
+            <a:avLst/>
+          </a:prstGeom>
+        </p:spPr>
+        <p:txBody>
+          <a:bodyPr wrap="none">
+            <a:spAutoFit/>
+          </a:bodyPr>
+          <a:lstStyle/>
+          <a:p>
+            <a:r>
+              <a:rPr lang="en-US" dirty="0"/>
+              <a:t>https://github.com/prefuse/Prefuse</a:t>
+            </a:r>
+          </a:p>
+        </p:txBody>
+      </p:sp>
+    </p:spTree>
+    <p:extLst>
+      <p:ext uri="{BB962C8B-B14F-4D97-AF65-F5344CB8AC3E}">
+        <p14:creationId xmlns:p14="http://schemas.microsoft.com/office/powerpoint/2010/main" val="303156836"/>
+      </p:ext>
+    </p:extLst>
+  </p:cSld>
+  <p:clrMapOvr>
+    <a:masterClrMapping/>
+  </p:clrMapOvr>
+</p:sld>
+</file>
+
+<file path=ppt/slides/slide12.xml><?xml version="1.0" encoding="utf-8"?>
+<p:sld xmlns:a="http://schemas.openxmlformats.org/drawingml/2006/main" xmlns:r="http://schemas.openxmlformats.org/officeDocument/2006/relationships" xmlns:p="http://schemas.openxmlformats.org/presentationml/2006/main">
+  <p:cSld>
+    <p:spTree>
+      <p:nvGrpSpPr>
+        <p:cNvPr id="1" name=""/>
+        <p:cNvGrpSpPr/>
+        <p:nvPr/>
+      </p:nvGrpSpPr>
+      <p:grpSpPr>
+        <a:xfrm>
+          <a:off x="0" y="0"/>
+          <a:ext cx="0" cy="0"/>
+          <a:chOff x="0" y="0"/>
+          <a:chExt cx="0" cy="0"/>
+        </a:xfrm>
+      </p:grpSpPr>
+      <p:sp>
+        <p:nvSpPr>
+          <p:cNvPr id="4" name="TextBox 3"/>
+          <p:cNvSpPr txBox="1"/>
+          <p:nvPr/>
+        </p:nvSpPr>
+        <p:spPr>
+          <a:xfrm>
+            <a:off x="522514" y="356263"/>
+            <a:ext cx="6329233" cy="369332"/>
+          </a:xfrm>
+          <a:prstGeom prst="rect">
+            <a:avLst/>
+          </a:prstGeom>
+          <a:noFill/>
+        </p:spPr>
+        <p:txBody>
+          <a:bodyPr wrap="none" rtlCol="0">
+            <a:spAutoFit/>
+          </a:bodyPr>
+          <a:lstStyle/>
+          <a:p>
+            <a:r>
+              <a:rPr lang="en-US" dirty="0" smtClean="0"/>
+              <a:t>Has many of the same nice visualizations as the current D3 library</a:t>
+            </a:r>
+            <a:endParaRPr lang="en-US" dirty="0"/>
+          </a:p>
+        </p:txBody>
+      </p:sp>
+      <p:pic>
+        <p:nvPicPr>
+          <p:cNvPr id="5" name="Picture 4"/>
+          <p:cNvPicPr>
+            <a:picLocks noChangeAspect="1"/>
+          </p:cNvPicPr>
+          <p:nvPr/>
+        </p:nvPicPr>
+        <p:blipFill>
+          <a:blip r:embed="rId2"/>
+          <a:stretch>
+            <a:fillRect/>
+          </a:stretch>
+        </p:blipFill>
+        <p:spPr>
+          <a:xfrm>
+            <a:off x="6755939" y="843151"/>
+            <a:ext cx="4846741" cy="5828168"/>
+          </a:xfrm>
+          <a:prstGeom prst="rect">
+            <a:avLst/>
+          </a:prstGeom>
+        </p:spPr>
+      </p:pic>
+      <p:cxnSp>
+        <p:nvCxnSpPr>
+          <p:cNvPr id="7" name="Straight Arrow Connector 6"/>
+          <p:cNvCxnSpPr/>
+          <p:nvPr/>
+        </p:nvCxnSpPr>
+        <p:spPr>
+          <a:xfrm flipV="1">
+            <a:off x="3805884" y="4079772"/>
+            <a:ext cx="884870" cy="154379"/>
+          </a:xfrm>
+          <a:prstGeom prst="straightConnector1">
+            <a:avLst/>
+          </a:prstGeom>
+          <a:ln>
+            <a:tailEnd type="triangle"/>
+          </a:ln>
+        </p:spPr>
+        <p:style>
+          <a:lnRef idx="1">
+            <a:schemeClr val="accent1"/>
+          </a:lnRef>
+          <a:fillRef idx="0">
+            <a:schemeClr val="accent1"/>
+          </a:fillRef>
+          <a:effectRef idx="0">
+            <a:schemeClr val="accent1"/>
+          </a:effectRef>
+          <a:fontRef idx="minor">
+            <a:schemeClr val="tx1"/>
+          </a:fontRef>
+        </p:style>
+      </p:cxnSp>
+      <p:sp>
+        <p:nvSpPr>
+          <p:cNvPr id="8" name="TextBox 7"/>
+          <p:cNvSpPr txBox="1"/>
+          <p:nvPr/>
+        </p:nvSpPr>
+        <p:spPr>
+          <a:xfrm>
+            <a:off x="4690754" y="3930732"/>
+            <a:ext cx="2628797" cy="369332"/>
+          </a:xfrm>
+          <a:prstGeom prst="rect">
+            <a:avLst/>
+          </a:prstGeom>
+          <a:noFill/>
+        </p:spPr>
+        <p:txBody>
+          <a:bodyPr wrap="none" rtlCol="0">
+            <a:spAutoFit/>
+          </a:bodyPr>
+          <a:lstStyle/>
+          <a:p>
+            <a:r>
+              <a:rPr lang="en-US" dirty="0" smtClean="0"/>
+              <a:t>Trees with clickable nodes</a:t>
+            </a:r>
+            <a:endParaRPr lang="en-US" dirty="0"/>
+          </a:p>
+        </p:txBody>
+      </p:sp>
+      <p:sp>
+        <p:nvSpPr>
+          <p:cNvPr id="9" name="Rectangle 8"/>
+          <p:cNvSpPr/>
+          <p:nvPr/>
+        </p:nvSpPr>
+        <p:spPr>
+          <a:xfrm>
+            <a:off x="345584" y="6320039"/>
+            <a:ext cx="5009385" cy="307777"/>
+          </a:xfrm>
+          <a:prstGeom prst="rect">
+            <a:avLst/>
+          </a:prstGeom>
+        </p:spPr>
+        <p:txBody>
+          <a:bodyPr wrap="none">
+            <a:spAutoFit/>
+          </a:bodyPr>
+          <a:lstStyle/>
+          <a:p>
+            <a:r>
+              <a:rPr lang="en-US" sz="1400" dirty="0" err="1" smtClean="0">
+                <a:solidFill>
+                  <a:srgbClr val="000000"/>
+                </a:solidFill>
+                <a:latin typeface="Arial" panose="020B0604020202020204" pitchFamily="34" charset="0"/>
+                <a:cs typeface="Arial" panose="020B0604020202020204" pitchFamily="34" charset="0"/>
+              </a:rPr>
+              <a:t>prefuse.demos.</a:t>
+            </a:r>
+            <a:r>
+              <a:rPr lang="en-US" sz="1400" dirty="0" err="1" smtClean="0">
+                <a:latin typeface="Arial" panose="020B0604020202020204" pitchFamily="34" charset="0"/>
+                <a:cs typeface="Arial" panose="020B0604020202020204" pitchFamily="34" charset="0"/>
+              </a:rPr>
+              <a:t>TreeView</a:t>
+            </a:r>
+            <a:r>
+              <a:rPr lang="en-US" sz="1400" dirty="0" smtClean="0">
+                <a:latin typeface="Arial" panose="020B0604020202020204" pitchFamily="34" charset="0"/>
+                <a:cs typeface="Arial" panose="020B0604020202020204" pitchFamily="34" charset="0"/>
+              </a:rPr>
+              <a:t> within the </a:t>
+            </a:r>
+            <a:r>
+              <a:rPr lang="en-US" sz="1400" dirty="0" err="1" smtClean="0">
+                <a:latin typeface="Arial" panose="020B0604020202020204" pitchFamily="34" charset="0"/>
+                <a:cs typeface="Arial" panose="020B0604020202020204" pitchFamily="34" charset="0"/>
+              </a:rPr>
+              <a:t>Prefuse</a:t>
+            </a:r>
+            <a:r>
+              <a:rPr lang="en-US" sz="1400" dirty="0" smtClean="0">
+                <a:latin typeface="Arial" panose="020B0604020202020204" pitchFamily="34" charset="0"/>
+                <a:cs typeface="Arial" panose="020B0604020202020204" pitchFamily="34" charset="0"/>
+              </a:rPr>
+              <a:t> </a:t>
+            </a:r>
+            <a:r>
+              <a:rPr lang="en-US" sz="1400" dirty="0" err="1" smtClean="0">
+                <a:latin typeface="Arial" panose="020B0604020202020204" pitchFamily="34" charset="0"/>
+                <a:cs typeface="Arial" panose="020B0604020202020204" pitchFamily="34" charset="0"/>
+              </a:rPr>
+              <a:t>github</a:t>
+            </a:r>
+            <a:r>
+              <a:rPr lang="en-US" sz="1400" dirty="0" smtClean="0">
+                <a:latin typeface="Arial" panose="020B0604020202020204" pitchFamily="34" charset="0"/>
+                <a:cs typeface="Arial" panose="020B0604020202020204" pitchFamily="34" charset="0"/>
+              </a:rPr>
+              <a:t> repository</a:t>
+            </a:r>
+            <a:endParaRPr lang="en-US" sz="1400" dirty="0">
+              <a:latin typeface="Arial" panose="020B0604020202020204" pitchFamily="34" charset="0"/>
+              <a:cs typeface="Arial" panose="020B0604020202020204" pitchFamily="34" charset="0"/>
+            </a:endParaRPr>
+          </a:p>
+        </p:txBody>
+      </p:sp>
+    </p:spTree>
+    <p:extLst>
+      <p:ext uri="{BB962C8B-B14F-4D97-AF65-F5344CB8AC3E}">
+        <p14:creationId xmlns:p14="http://schemas.microsoft.com/office/powerpoint/2010/main" val="1925727887"/>
+      </p:ext>
+    </p:extLst>
+  </p:cSld>
+  <p:clrMapOvr>
+    <a:masterClrMapping/>
+  </p:clrMapOvr>
+</p:sld>
+</file>
+
+<file path=ppt/slides/slide13.xml><?xml version="1.0" encoding="utf-8"?>
+<p:sld xmlns:a="http://schemas.openxmlformats.org/drawingml/2006/main" xmlns:r="http://schemas.openxmlformats.org/officeDocument/2006/relationships" xmlns:p="http://schemas.openxmlformats.org/presentationml/2006/main">
+  <p:cSld>
+    <p:spTree>
+      <p:nvGrpSpPr>
+        <p:cNvPr id="1" name=""/>
+        <p:cNvGrpSpPr/>
+        <p:nvPr/>
+      </p:nvGrpSpPr>
+      <p:grpSpPr>
+        <a:xfrm>
+          <a:off x="0" y="0"/>
+          <a:ext cx="0" cy="0"/>
+          <a:chOff x="0" y="0"/>
+          <a:chExt cx="0" cy="0"/>
+        </a:xfrm>
+      </p:grpSpPr>
+      <p:pic>
+        <p:nvPicPr>
+          <p:cNvPr id="4" name="Picture 3"/>
+          <p:cNvPicPr>
+            <a:picLocks noChangeAspect="1"/>
+          </p:cNvPicPr>
+          <p:nvPr/>
+        </p:nvPicPr>
+        <p:blipFill>
+          <a:blip r:embed="rId2"/>
+          <a:stretch>
+            <a:fillRect/>
+          </a:stretch>
+        </p:blipFill>
+        <p:spPr>
+          <a:xfrm>
+            <a:off x="2229035" y="430233"/>
+            <a:ext cx="9008298" cy="6303076"/>
+          </a:xfrm>
+          <a:prstGeom prst="rect">
+            <a:avLst/>
+          </a:prstGeom>
+        </p:spPr>
+      </p:pic>
+      <p:sp>
+        <p:nvSpPr>
+          <p:cNvPr id="5" name="TextBox 4"/>
+          <p:cNvSpPr txBox="1"/>
+          <p:nvPr/>
+        </p:nvSpPr>
+        <p:spPr>
+          <a:xfrm>
+            <a:off x="320634" y="35628"/>
+            <a:ext cx="4020011" cy="369332"/>
+          </a:xfrm>
+          <a:prstGeom prst="rect">
+            <a:avLst/>
+          </a:prstGeom>
+          <a:noFill/>
+        </p:spPr>
+        <p:txBody>
+          <a:bodyPr wrap="none" rtlCol="0">
+            <a:spAutoFit/>
+          </a:bodyPr>
+          <a:lstStyle/>
+          <a:p>
+            <a:r>
+              <a:rPr lang="en-US" dirty="0" smtClean="0"/>
+              <a:t>A clickable and </a:t>
+            </a:r>
+            <a:r>
+              <a:rPr lang="en-US" dirty="0" err="1" smtClean="0"/>
+              <a:t>draggable</a:t>
+            </a:r>
+            <a:r>
+              <a:rPr lang="en-US" dirty="0" smtClean="0"/>
+              <a:t> </a:t>
+            </a:r>
+            <a:r>
+              <a:rPr lang="en-US" dirty="0" err="1" smtClean="0"/>
+              <a:t>ForceTree</a:t>
+            </a:r>
+            <a:r>
+              <a:rPr lang="en-US" dirty="0" smtClean="0"/>
+              <a:t> view</a:t>
+            </a:r>
+            <a:endParaRPr lang="en-US" dirty="0"/>
+          </a:p>
+        </p:txBody>
+      </p:sp>
+      <p:sp>
+        <p:nvSpPr>
+          <p:cNvPr id="7" name="Rectangle 6"/>
+          <p:cNvSpPr/>
+          <p:nvPr/>
+        </p:nvSpPr>
+        <p:spPr>
+          <a:xfrm>
+            <a:off x="333709" y="6355664"/>
+            <a:ext cx="5145896" cy="307777"/>
+          </a:xfrm>
+          <a:prstGeom prst="rect">
+            <a:avLst/>
+          </a:prstGeom>
+        </p:spPr>
+        <p:txBody>
+          <a:bodyPr wrap="none">
+            <a:spAutoFit/>
+          </a:bodyPr>
+          <a:lstStyle/>
+          <a:p>
+            <a:r>
+              <a:rPr lang="en-US" sz="1400" dirty="0" err="1" smtClean="0">
+                <a:solidFill>
+                  <a:srgbClr val="000000"/>
+                </a:solidFill>
+                <a:latin typeface="Arial" panose="020B0604020202020204" pitchFamily="34" charset="0"/>
+                <a:cs typeface="Arial" panose="020B0604020202020204" pitchFamily="34" charset="0"/>
+              </a:rPr>
+              <a:t>prefuse.demos.</a:t>
+            </a:r>
+            <a:r>
+              <a:rPr lang="en-US" sz="1400" dirty="0" err="1" smtClean="0">
+                <a:latin typeface="Arial" panose="020B0604020202020204" pitchFamily="34" charset="0"/>
+                <a:cs typeface="Arial" panose="020B0604020202020204" pitchFamily="34" charset="0"/>
+              </a:rPr>
+              <a:t>GraphView</a:t>
+            </a:r>
+            <a:r>
+              <a:rPr lang="en-US" sz="1400" dirty="0" smtClean="0">
+                <a:latin typeface="Arial" panose="020B0604020202020204" pitchFamily="34" charset="0"/>
+                <a:cs typeface="Arial" panose="020B0604020202020204" pitchFamily="34" charset="0"/>
+              </a:rPr>
+              <a:t> within the </a:t>
+            </a:r>
+            <a:r>
+              <a:rPr lang="en-US" sz="1400" dirty="0" err="1" smtClean="0">
+                <a:latin typeface="Arial" panose="020B0604020202020204" pitchFamily="34" charset="0"/>
+                <a:cs typeface="Arial" panose="020B0604020202020204" pitchFamily="34" charset="0"/>
+              </a:rPr>
+              <a:t>Prefuse</a:t>
+            </a:r>
+            <a:r>
+              <a:rPr lang="en-US" sz="1400" dirty="0" smtClean="0">
+                <a:latin typeface="Arial" panose="020B0604020202020204" pitchFamily="34" charset="0"/>
+                <a:cs typeface="Arial" panose="020B0604020202020204" pitchFamily="34" charset="0"/>
+              </a:rPr>
+              <a:t> </a:t>
+            </a:r>
+            <a:r>
+              <a:rPr lang="en-US" sz="1400" dirty="0" err="1" smtClean="0">
+                <a:latin typeface="Arial" panose="020B0604020202020204" pitchFamily="34" charset="0"/>
+                <a:cs typeface="Arial" panose="020B0604020202020204" pitchFamily="34" charset="0"/>
+              </a:rPr>
+              <a:t>github</a:t>
+            </a:r>
+            <a:r>
+              <a:rPr lang="en-US" sz="1400" dirty="0" smtClean="0">
+                <a:latin typeface="Arial" panose="020B0604020202020204" pitchFamily="34" charset="0"/>
+                <a:cs typeface="Arial" panose="020B0604020202020204" pitchFamily="34" charset="0"/>
+              </a:rPr>
+              <a:t> repository</a:t>
+            </a:r>
+            <a:endParaRPr lang="en-US" sz="1400" dirty="0">
+              <a:latin typeface="Arial" panose="020B0604020202020204" pitchFamily="34" charset="0"/>
+              <a:cs typeface="Arial" panose="020B0604020202020204" pitchFamily="34" charset="0"/>
+            </a:endParaRPr>
+          </a:p>
+        </p:txBody>
+      </p:sp>
+    </p:spTree>
+    <p:extLst>
+      <p:ext uri="{BB962C8B-B14F-4D97-AF65-F5344CB8AC3E}">
+        <p14:creationId xmlns:p14="http://schemas.microsoft.com/office/powerpoint/2010/main" val="880340335"/>
+      </p:ext>
+    </p:extLst>
+  </p:cSld>
+  <p:clrMapOvr>
+    <a:masterClrMapping/>
+  </p:clrMapOvr>
+</p:sld>
+</file>
+
+<file path=ppt/slides/slide14.xml><?xml version="1.0" encoding="utf-8"?>
+<p:sld xmlns:a="http://schemas.openxmlformats.org/drawingml/2006/main" xmlns:r="http://schemas.openxmlformats.org/officeDocument/2006/relationships" xmlns:p="http://schemas.openxmlformats.org/presentationml/2006/main">
+  <p:cSld>
+    <p:spTree>
+      <p:nvGrpSpPr>
+        <p:cNvPr id="1" name=""/>
+        <p:cNvGrpSpPr/>
+        <p:nvPr/>
+      </p:nvGrpSpPr>
+      <p:grpSpPr>
+        <a:xfrm>
+          <a:off x="0" y="0"/>
+          <a:ext cx="0" cy="0"/>
+          <a:chOff x="0" y="0"/>
+          <a:chExt cx="0" cy="0"/>
+        </a:xfrm>
+      </p:grpSpPr>
+      <p:sp>
+        <p:nvSpPr>
+          <p:cNvPr id="4" name="TextBox 3"/>
+          <p:cNvSpPr txBox="1"/>
+          <p:nvPr/>
+        </p:nvSpPr>
+        <p:spPr>
+          <a:xfrm>
+            <a:off x="1033153" y="415638"/>
+            <a:ext cx="4791696" cy="369332"/>
+          </a:xfrm>
+          <a:prstGeom prst="rect">
+            <a:avLst/>
+          </a:prstGeom>
+          <a:noFill/>
+        </p:spPr>
+        <p:txBody>
+          <a:bodyPr wrap="none" rtlCol="0">
+            <a:spAutoFit/>
+          </a:bodyPr>
+          <a:lstStyle/>
+          <a:p>
+            <a:r>
+              <a:rPr lang="en-US" dirty="0" err="1" smtClean="0"/>
+              <a:t>Prefuse</a:t>
+            </a:r>
+            <a:r>
+              <a:rPr lang="en-US" dirty="0" smtClean="0"/>
+              <a:t> is written in Swing using Swing controls…</a:t>
+            </a:r>
+            <a:endParaRPr lang="en-US" dirty="0"/>
+          </a:p>
+        </p:txBody>
+      </p:sp>
+      <p:pic>
+        <p:nvPicPr>
+          <p:cNvPr id="5" name="Picture 4"/>
+          <p:cNvPicPr>
+            <a:picLocks noChangeAspect="1"/>
+          </p:cNvPicPr>
+          <p:nvPr/>
+        </p:nvPicPr>
+        <p:blipFill>
+          <a:blip r:embed="rId2"/>
+          <a:stretch>
+            <a:fillRect/>
+          </a:stretch>
+        </p:blipFill>
+        <p:spPr>
+          <a:xfrm>
+            <a:off x="516082" y="1340489"/>
+            <a:ext cx="6172200" cy="4295775"/>
+          </a:xfrm>
+          <a:prstGeom prst="rect">
+            <a:avLst/>
+          </a:prstGeom>
+        </p:spPr>
+      </p:pic>
+      <p:pic>
+        <p:nvPicPr>
+          <p:cNvPr id="6" name="Picture 5"/>
+          <p:cNvPicPr>
+            <a:picLocks noChangeAspect="1"/>
+          </p:cNvPicPr>
+          <p:nvPr/>
+        </p:nvPicPr>
+        <p:blipFill>
+          <a:blip r:embed="rId3"/>
+          <a:stretch>
+            <a:fillRect/>
+          </a:stretch>
+        </p:blipFill>
+        <p:spPr>
+          <a:xfrm>
+            <a:off x="6988506" y="1095560"/>
+            <a:ext cx="4057650" cy="2695575"/>
+          </a:xfrm>
+          <a:prstGeom prst="rect">
+            <a:avLst/>
+          </a:prstGeom>
+        </p:spPr>
+      </p:pic>
+      <p:cxnSp>
+        <p:nvCxnSpPr>
+          <p:cNvPr id="8" name="Straight Arrow Connector 7"/>
+          <p:cNvCxnSpPr/>
+          <p:nvPr/>
+        </p:nvCxnSpPr>
+        <p:spPr>
+          <a:xfrm flipV="1">
+            <a:off x="3602182" y="1460665"/>
+            <a:ext cx="3238005" cy="653143"/>
+          </a:xfrm>
+          <a:prstGeom prst="straightConnector1">
+            <a:avLst/>
+          </a:prstGeom>
+          <a:ln>
+            <a:tailEnd type="triangle"/>
+          </a:ln>
+        </p:spPr>
+        <p:style>
+          <a:lnRef idx="1">
+            <a:schemeClr val="accent1"/>
+          </a:lnRef>
+          <a:fillRef idx="0">
+            <a:schemeClr val="accent1"/>
+          </a:fillRef>
+          <a:effectRef idx="0">
+            <a:schemeClr val="accent1"/>
+          </a:effectRef>
+          <a:fontRef idx="minor">
+            <a:schemeClr val="tx1"/>
+          </a:fontRef>
+        </p:style>
+      </p:cxnSp>
+    </p:spTree>
+    <p:extLst>
+      <p:ext uri="{BB962C8B-B14F-4D97-AF65-F5344CB8AC3E}">
+        <p14:creationId xmlns:p14="http://schemas.microsoft.com/office/powerpoint/2010/main" val="3749564122"/>
+      </p:ext>
+    </p:extLst>
+  </p:cSld>
+  <p:clrMapOvr>
+    <a:masterClrMapping/>
+  </p:clrMapOvr>
+</p:sld>
+</file>
+
+<file path=ppt/slides/slide15.xml><?xml version="1.0" encoding="utf-8"?>
+<p:sld xmlns:a="http://schemas.openxmlformats.org/drawingml/2006/main" xmlns:r="http://schemas.openxmlformats.org/officeDocument/2006/relationships" xmlns:p="http://schemas.openxmlformats.org/presentationml/2006/main">
+  <p:cSld>
+    <p:spTree>
+      <p:nvGrpSpPr>
+        <p:cNvPr id="1" name=""/>
+        <p:cNvGrpSpPr/>
+        <p:nvPr/>
+      </p:nvGrpSpPr>
+      <p:grpSpPr>
+        <a:xfrm>
+          <a:off x="0" y="0"/>
+          <a:ext cx="0" cy="0"/>
+          <a:chOff x="0" y="0"/>
+          <a:chExt cx="0" cy="0"/>
+        </a:xfrm>
+      </p:grpSpPr>
+      <p:pic>
+        <p:nvPicPr>
+          <p:cNvPr id="5" name="Picture 4"/>
+          <p:cNvPicPr>
+            <a:picLocks noChangeAspect="1"/>
+          </p:cNvPicPr>
+          <p:nvPr/>
+        </p:nvPicPr>
+        <p:blipFill>
+          <a:blip r:embed="rId2"/>
+          <a:stretch>
+            <a:fillRect/>
+          </a:stretch>
+        </p:blipFill>
+        <p:spPr>
+          <a:xfrm>
+            <a:off x="4762932" y="542739"/>
+            <a:ext cx="5991225" cy="5915025"/>
+          </a:xfrm>
+          <a:prstGeom prst="rect">
+            <a:avLst/>
+          </a:prstGeom>
+        </p:spPr>
+      </p:pic>
+      <p:sp>
+        <p:nvSpPr>
+          <p:cNvPr id="6" name="Rectangle 5"/>
+          <p:cNvSpPr/>
+          <p:nvPr/>
+        </p:nvSpPr>
+        <p:spPr>
+          <a:xfrm>
+            <a:off x="333709" y="6355664"/>
+            <a:ext cx="5613973" cy="307777"/>
+          </a:xfrm>
+          <a:prstGeom prst="rect">
+            <a:avLst/>
+          </a:prstGeom>
+        </p:spPr>
+        <p:txBody>
+          <a:bodyPr wrap="none">
+            <a:spAutoFit/>
+          </a:bodyPr>
+          <a:lstStyle/>
+          <a:p>
+            <a:r>
+              <a:rPr lang="en-US" sz="1400" dirty="0" err="1" smtClean="0">
+                <a:solidFill>
+                  <a:srgbClr val="000000"/>
+                </a:solidFill>
+                <a:latin typeface="Arial" panose="020B0604020202020204" pitchFamily="34" charset="0"/>
+                <a:cs typeface="Arial" panose="020B0604020202020204" pitchFamily="34" charset="0"/>
+              </a:rPr>
+              <a:t>prefuse.demos.Radial</a:t>
+            </a:r>
+            <a:r>
+              <a:rPr lang="en-US" sz="1400" dirty="0" err="1" smtClean="0">
+                <a:latin typeface="Arial" panose="020B0604020202020204" pitchFamily="34" charset="0"/>
+                <a:cs typeface="Arial" panose="020B0604020202020204" pitchFamily="34" charset="0"/>
+              </a:rPr>
+              <a:t>GraphView</a:t>
+            </a:r>
+            <a:r>
+              <a:rPr lang="en-US" sz="1400" dirty="0" smtClean="0">
+                <a:latin typeface="Arial" panose="020B0604020202020204" pitchFamily="34" charset="0"/>
+                <a:cs typeface="Arial" panose="020B0604020202020204" pitchFamily="34" charset="0"/>
+              </a:rPr>
+              <a:t> within the </a:t>
+            </a:r>
+            <a:r>
+              <a:rPr lang="en-US" sz="1400" dirty="0" err="1" smtClean="0">
+                <a:latin typeface="Arial" panose="020B0604020202020204" pitchFamily="34" charset="0"/>
+                <a:cs typeface="Arial" panose="020B0604020202020204" pitchFamily="34" charset="0"/>
+              </a:rPr>
+              <a:t>Prefuse</a:t>
+            </a:r>
+            <a:r>
+              <a:rPr lang="en-US" sz="1400" dirty="0" smtClean="0">
+                <a:latin typeface="Arial" panose="020B0604020202020204" pitchFamily="34" charset="0"/>
+                <a:cs typeface="Arial" panose="020B0604020202020204" pitchFamily="34" charset="0"/>
+              </a:rPr>
+              <a:t> </a:t>
+            </a:r>
+            <a:r>
+              <a:rPr lang="en-US" sz="1400" dirty="0" err="1" smtClean="0">
+                <a:latin typeface="Arial" panose="020B0604020202020204" pitchFamily="34" charset="0"/>
+                <a:cs typeface="Arial" panose="020B0604020202020204" pitchFamily="34" charset="0"/>
+              </a:rPr>
+              <a:t>github</a:t>
+            </a:r>
+            <a:r>
+              <a:rPr lang="en-US" sz="1400" dirty="0" smtClean="0">
+                <a:latin typeface="Arial" panose="020B0604020202020204" pitchFamily="34" charset="0"/>
+                <a:cs typeface="Arial" panose="020B0604020202020204" pitchFamily="34" charset="0"/>
+              </a:rPr>
+              <a:t> repository</a:t>
+            </a:r>
+            <a:endParaRPr lang="en-US" sz="1400" dirty="0">
+              <a:latin typeface="Arial" panose="020B0604020202020204" pitchFamily="34" charset="0"/>
+              <a:cs typeface="Arial" panose="020B0604020202020204" pitchFamily="34" charset="0"/>
+            </a:endParaRPr>
+          </a:p>
+        </p:txBody>
+      </p:sp>
+    </p:spTree>
+    <p:extLst>
+      <p:ext uri="{BB962C8B-B14F-4D97-AF65-F5344CB8AC3E}">
+        <p14:creationId xmlns:p14="http://schemas.microsoft.com/office/powerpoint/2010/main" val="646492210"/>
+      </p:ext>
+    </p:extLst>
+  </p:cSld>
+  <p:clrMapOvr>
+    <a:masterClrMapping/>
+  </p:clrMapOvr>
+</p:sld>
+</file>
+
 <file path=ppt/slides/slide2.xml><?xml version="1.0" encoding="utf-8"?>
 <p:sld xmlns:a="http://schemas.openxmlformats.org/drawingml/2006/main" xmlns:r="http://schemas.openxmlformats.org/officeDocument/2006/relationships" xmlns:p="http://schemas.openxmlformats.org/presentationml/2006/main">
   <p:cSld>
@@ -4511,6 +5327,53 @@
             <a:r>
               <a:rPr lang="en-US" dirty="0" smtClean="0"/>
               <a:t>(but the community seems quite active, with more stuff getting built all the time…)</a:t>
+            </a:r>
+            <a:endParaRPr lang="en-US" dirty="0"/>
+          </a:p>
+        </p:txBody>
+      </p:sp>
+      <p:sp>
+        <p:nvSpPr>
+          <p:cNvPr id="2" name="TextBox 1"/>
+          <p:cNvSpPr txBox="1"/>
+          <p:nvPr/>
+        </p:nvSpPr>
+        <p:spPr>
+          <a:xfrm>
+            <a:off x="1080655" y="3538847"/>
+            <a:ext cx="7775334" cy="923330"/>
+          </a:xfrm>
+          <a:prstGeom prst="rect">
+            <a:avLst/>
+          </a:prstGeom>
+          <a:noFill/>
+        </p:spPr>
+        <p:txBody>
+          <a:bodyPr wrap="none" rtlCol="0">
+            <a:spAutoFit/>
+          </a:bodyPr>
+          <a:lstStyle/>
+          <a:p>
+            <a:r>
+              <a:rPr lang="en-US" dirty="0" smtClean="0"/>
+              <a:t>Processing components cannot be easily mixed with Java Swing components.</a:t>
+            </a:r>
+          </a:p>
+          <a:p>
+            <a:endParaRPr lang="en-US" dirty="0"/>
+          </a:p>
+          <a:p>
+            <a:r>
+              <a:rPr lang="en-US" dirty="0" smtClean="0"/>
+              <a:t>“</a:t>
+            </a:r>
+            <a:r>
+              <a:rPr lang="en-US" dirty="0" err="1" smtClean="0"/>
+              <a:t>PAppelt</a:t>
+            </a:r>
+            <a:r>
+              <a:rPr lang="en-US" dirty="0" smtClean="0"/>
+              <a:t>” (the base class in Processing ) is no longer a Java Container/Component</a:t>
             </a:r>
             <a:endParaRPr lang="en-US" dirty="0"/>
           </a:p>

--- a/classes/prog2015/Prog3-Lecture13.pptx
+++ b/classes/prog2015/Prog3-Lecture13.pptx
@@ -20,6 +20,9 @@
     <p:sldId id="268" r:id="rId14"/>
     <p:sldId id="269" r:id="rId15"/>
     <p:sldId id="270" r:id="rId16"/>
+    <p:sldId id="271" r:id="rId17"/>
+    <p:sldId id="272" r:id="rId18"/>
+    <p:sldId id="273" r:id="rId19"/>
   </p:sldIdLst>
   <p:sldSz cx="12192000" cy="6858000"/>
   <p:notesSz cx="6858000" cy="9144000"/>
@@ -3998,6 +4001,479 @@
 </p:sld>
 </file>
 
+<file path=ppt/slides/slide16.xml><?xml version="1.0" encoding="utf-8"?>
+<p:sld xmlns:a="http://schemas.openxmlformats.org/drawingml/2006/main" xmlns:r="http://schemas.openxmlformats.org/officeDocument/2006/relationships" xmlns:p="http://schemas.openxmlformats.org/presentationml/2006/main">
+  <p:cSld>
+    <p:spTree>
+      <p:nvGrpSpPr>
+        <p:cNvPr id="1" name=""/>
+        <p:cNvGrpSpPr/>
+        <p:nvPr/>
+      </p:nvGrpSpPr>
+      <p:grpSpPr>
+        <a:xfrm>
+          <a:off x="0" y="0"/>
+          <a:ext cx="0" cy="0"/>
+          <a:chOff x="0" y="0"/>
+          <a:chExt cx="0" cy="0"/>
+        </a:xfrm>
+      </p:grpSpPr>
+      <p:sp>
+        <p:nvSpPr>
+          <p:cNvPr id="4" name="TextBox 3"/>
+          <p:cNvSpPr txBox="1"/>
+          <p:nvPr/>
+        </p:nvSpPr>
+        <p:spPr>
+          <a:xfrm>
+            <a:off x="878774" y="213759"/>
+            <a:ext cx="3864263" cy="369332"/>
+          </a:xfrm>
+          <a:prstGeom prst="rect">
+            <a:avLst/>
+          </a:prstGeom>
+          <a:noFill/>
+        </p:spPr>
+        <p:txBody>
+          <a:bodyPr wrap="none" rtlCol="0">
+            <a:spAutoFit/>
+          </a:bodyPr>
+          <a:lstStyle/>
+          <a:p>
+            <a:r>
+              <a:rPr lang="en-US" dirty="0" smtClean="0"/>
+              <a:t>The </a:t>
+            </a:r>
+            <a:r>
+              <a:rPr lang="en-US" dirty="0" err="1" smtClean="0"/>
+              <a:t>radialGraph</a:t>
+            </a:r>
+            <a:r>
+              <a:rPr lang="en-US" dirty="0" smtClean="0"/>
+              <a:t> works on an XML file…</a:t>
+            </a:r>
+            <a:endParaRPr lang="en-US" dirty="0"/>
+          </a:p>
+        </p:txBody>
+      </p:sp>
+      <p:pic>
+        <p:nvPicPr>
+          <p:cNvPr id="6" name="Picture 5"/>
+          <p:cNvPicPr>
+            <a:picLocks noChangeAspect="1"/>
+          </p:cNvPicPr>
+          <p:nvPr/>
+        </p:nvPicPr>
+        <p:blipFill>
+          <a:blip r:embed="rId2"/>
+          <a:stretch>
+            <a:fillRect/>
+          </a:stretch>
+        </p:blipFill>
+        <p:spPr>
+          <a:xfrm>
+            <a:off x="552946" y="1146030"/>
+            <a:ext cx="5219700" cy="4067175"/>
+          </a:xfrm>
+          <a:prstGeom prst="rect">
+            <a:avLst/>
+          </a:prstGeom>
+        </p:spPr>
+      </p:pic>
+      <p:sp>
+        <p:nvSpPr>
+          <p:cNvPr id="7" name="TextBox 6"/>
+          <p:cNvSpPr txBox="1"/>
+          <p:nvPr/>
+        </p:nvSpPr>
+        <p:spPr>
+          <a:xfrm>
+            <a:off x="1779533" y="670952"/>
+            <a:ext cx="2062744" cy="369332"/>
+          </a:xfrm>
+          <a:prstGeom prst="rect">
+            <a:avLst/>
+          </a:prstGeom>
+          <a:noFill/>
+        </p:spPr>
+        <p:txBody>
+          <a:bodyPr wrap="none" rtlCol="0">
+            <a:spAutoFit/>
+          </a:bodyPr>
+          <a:lstStyle/>
+          <a:p>
+            <a:r>
+              <a:rPr lang="en-US" dirty="0" smtClean="0"/>
+              <a:t>The top of this file…</a:t>
+            </a:r>
+            <a:endParaRPr lang="en-US" dirty="0"/>
+          </a:p>
+        </p:txBody>
+      </p:sp>
+      <p:pic>
+        <p:nvPicPr>
+          <p:cNvPr id="8" name="Picture 7"/>
+          <p:cNvPicPr>
+            <a:picLocks noChangeAspect="1"/>
+          </p:cNvPicPr>
+          <p:nvPr/>
+        </p:nvPicPr>
+        <p:blipFill>
+          <a:blip r:embed="rId3"/>
+          <a:stretch>
+            <a:fillRect/>
+          </a:stretch>
+        </p:blipFill>
+        <p:spPr>
+          <a:xfrm>
+            <a:off x="6264666" y="1131184"/>
+            <a:ext cx="4114368" cy="4405937"/>
+          </a:xfrm>
+          <a:prstGeom prst="rect">
+            <a:avLst/>
+          </a:prstGeom>
+        </p:spPr>
+      </p:pic>
+      <p:sp>
+        <p:nvSpPr>
+          <p:cNvPr id="9" name="TextBox 8"/>
+          <p:cNvSpPr txBox="1"/>
+          <p:nvPr/>
+        </p:nvSpPr>
+        <p:spPr>
+          <a:xfrm>
+            <a:off x="6860187" y="704602"/>
+            <a:ext cx="2428165" cy="369332"/>
+          </a:xfrm>
+          <a:prstGeom prst="rect">
+            <a:avLst/>
+          </a:prstGeom>
+          <a:noFill/>
+        </p:spPr>
+        <p:txBody>
+          <a:bodyPr wrap="none" rtlCol="0">
+            <a:spAutoFit/>
+          </a:bodyPr>
+          <a:lstStyle/>
+          <a:p>
+            <a:r>
+              <a:rPr lang="en-US" dirty="0" smtClean="0"/>
+              <a:t>The bottom of this file…</a:t>
+            </a:r>
+            <a:endParaRPr lang="en-US" dirty="0"/>
+          </a:p>
+        </p:txBody>
+      </p:sp>
+    </p:spTree>
+    <p:extLst>
+      <p:ext uri="{BB962C8B-B14F-4D97-AF65-F5344CB8AC3E}">
+        <p14:creationId xmlns:p14="http://schemas.microsoft.com/office/powerpoint/2010/main" val="1533237461"/>
+      </p:ext>
+    </p:extLst>
+  </p:cSld>
+  <p:clrMapOvr>
+    <a:masterClrMapping/>
+  </p:clrMapOvr>
+</p:sld>
+</file>
+
+<file path=ppt/slides/slide17.xml><?xml version="1.0" encoding="utf-8"?>
+<p:sld xmlns:a="http://schemas.openxmlformats.org/drawingml/2006/main" xmlns:r="http://schemas.openxmlformats.org/officeDocument/2006/relationships" xmlns:p="http://schemas.openxmlformats.org/presentationml/2006/main">
+  <p:cSld>
+    <p:spTree>
+      <p:nvGrpSpPr>
+        <p:cNvPr id="1" name=""/>
+        <p:cNvGrpSpPr/>
+        <p:nvPr/>
+      </p:nvGrpSpPr>
+      <p:grpSpPr>
+        <a:xfrm>
+          <a:off x="0" y="0"/>
+          <a:ext cx="0" cy="0"/>
+          <a:chOff x="0" y="0"/>
+          <a:chExt cx="0" cy="0"/>
+        </a:xfrm>
+      </p:grpSpPr>
+      <p:sp>
+        <p:nvSpPr>
+          <p:cNvPr id="4" name="TextBox 3"/>
+          <p:cNvSpPr txBox="1"/>
+          <p:nvPr/>
+        </p:nvSpPr>
+        <p:spPr>
+          <a:xfrm>
+            <a:off x="688769" y="-59376"/>
+            <a:ext cx="7123232" cy="369332"/>
+          </a:xfrm>
+          <a:prstGeom prst="rect">
+            <a:avLst/>
+          </a:prstGeom>
+          <a:noFill/>
+        </p:spPr>
+        <p:txBody>
+          <a:bodyPr wrap="none" rtlCol="0">
+            <a:spAutoFit/>
+          </a:bodyPr>
+          <a:lstStyle/>
+          <a:p>
+            <a:r>
+              <a:rPr lang="en-US" dirty="0" smtClean="0"/>
+              <a:t>We can put our own data into this format to make our own visualizations…</a:t>
+            </a:r>
+            <a:endParaRPr lang="en-US" dirty="0"/>
+          </a:p>
+        </p:txBody>
+      </p:sp>
+      <p:sp>
+        <p:nvSpPr>
+          <p:cNvPr id="6" name="Rectangle 5"/>
+          <p:cNvSpPr/>
+          <p:nvPr/>
+        </p:nvSpPr>
+        <p:spPr>
+          <a:xfrm>
+            <a:off x="197921" y="422012"/>
+            <a:ext cx="10929257" cy="369332"/>
+          </a:xfrm>
+          <a:prstGeom prst="rect">
+            <a:avLst/>
+          </a:prstGeom>
+        </p:spPr>
+        <p:txBody>
+          <a:bodyPr wrap="square">
+            <a:spAutoFit/>
+          </a:bodyPr>
+          <a:lstStyle/>
+          <a:p>
+            <a:r>
+              <a:rPr lang="en-US" dirty="0"/>
+              <a:t>https://github.com/afodor/afodor.github.io/blob/master/classes/prog2015/someRdpOut.xml</a:t>
+            </a:r>
+          </a:p>
+        </p:txBody>
+      </p:sp>
+      <p:pic>
+        <p:nvPicPr>
+          <p:cNvPr id="7" name="Picture 6"/>
+          <p:cNvPicPr>
+            <a:picLocks noChangeAspect="1"/>
+          </p:cNvPicPr>
+          <p:nvPr/>
+        </p:nvPicPr>
+        <p:blipFill>
+          <a:blip r:embed="rId2"/>
+          <a:stretch>
+            <a:fillRect/>
+          </a:stretch>
+        </p:blipFill>
+        <p:spPr>
+          <a:xfrm>
+            <a:off x="1666071" y="986527"/>
+            <a:ext cx="6669841" cy="3929857"/>
+          </a:xfrm>
+          <a:prstGeom prst="rect">
+            <a:avLst/>
+          </a:prstGeom>
+        </p:spPr>
+      </p:pic>
+      <p:pic>
+        <p:nvPicPr>
+          <p:cNvPr id="8" name="Picture 7"/>
+          <p:cNvPicPr>
+            <a:picLocks noChangeAspect="1"/>
+          </p:cNvPicPr>
+          <p:nvPr/>
+        </p:nvPicPr>
+        <p:blipFill>
+          <a:blip r:embed="rId3"/>
+          <a:stretch>
+            <a:fillRect/>
+          </a:stretch>
+        </p:blipFill>
+        <p:spPr>
+          <a:xfrm>
+            <a:off x="332509" y="5111567"/>
+            <a:ext cx="5695950" cy="1504950"/>
+          </a:xfrm>
+          <a:prstGeom prst="rect">
+            <a:avLst/>
+          </a:prstGeom>
+        </p:spPr>
+      </p:pic>
+      <p:cxnSp>
+        <p:nvCxnSpPr>
+          <p:cNvPr id="10" name="Straight Arrow Connector 9"/>
+          <p:cNvCxnSpPr/>
+          <p:nvPr/>
+        </p:nvCxnSpPr>
+        <p:spPr>
+          <a:xfrm flipH="1" flipV="1">
+            <a:off x="5355771" y="5747657"/>
+            <a:ext cx="498764" cy="308759"/>
+          </a:xfrm>
+          <a:prstGeom prst="straightConnector1">
+            <a:avLst/>
+          </a:prstGeom>
+          <a:ln>
+            <a:tailEnd type="triangle"/>
+          </a:ln>
+        </p:spPr>
+        <p:style>
+          <a:lnRef idx="1">
+            <a:schemeClr val="accent1"/>
+          </a:lnRef>
+          <a:fillRef idx="0">
+            <a:schemeClr val="accent1"/>
+          </a:fillRef>
+          <a:effectRef idx="0">
+            <a:schemeClr val="accent1"/>
+          </a:effectRef>
+          <a:fontRef idx="minor">
+            <a:schemeClr val="tx1"/>
+          </a:fontRef>
+        </p:style>
+      </p:cxnSp>
+      <p:sp>
+        <p:nvSpPr>
+          <p:cNvPr id="11" name="TextBox 10"/>
+          <p:cNvSpPr txBox="1"/>
+          <p:nvPr/>
+        </p:nvSpPr>
+        <p:spPr>
+          <a:xfrm>
+            <a:off x="1508166" y="6533392"/>
+            <a:ext cx="4611583" cy="369332"/>
+          </a:xfrm>
+          <a:prstGeom prst="rect">
+            <a:avLst/>
+          </a:prstGeom>
+          <a:noFill/>
+        </p:spPr>
+        <p:txBody>
+          <a:bodyPr wrap="none" rtlCol="0">
+            <a:spAutoFit/>
+          </a:bodyPr>
+          <a:lstStyle/>
+          <a:p>
+            <a:r>
+              <a:rPr lang="en-US" dirty="0" smtClean="0"/>
+              <a:t>Change the Java code to point to the right file…</a:t>
+            </a:r>
+            <a:endParaRPr lang="en-US" dirty="0"/>
+          </a:p>
+        </p:txBody>
+      </p:sp>
+    </p:spTree>
+    <p:extLst>
+      <p:ext uri="{BB962C8B-B14F-4D97-AF65-F5344CB8AC3E}">
+        <p14:creationId xmlns:p14="http://schemas.microsoft.com/office/powerpoint/2010/main" val="639497881"/>
+      </p:ext>
+    </p:extLst>
+  </p:cSld>
+  <p:clrMapOvr>
+    <a:masterClrMapping/>
+  </p:clrMapOvr>
+</p:sld>
+</file>
+
+<file path=ppt/slides/slide18.xml><?xml version="1.0" encoding="utf-8"?>
+<p:sld xmlns:a="http://schemas.openxmlformats.org/drawingml/2006/main" xmlns:r="http://schemas.openxmlformats.org/officeDocument/2006/relationships" xmlns:p="http://schemas.openxmlformats.org/presentationml/2006/main">
+  <p:cSld>
+    <p:spTree>
+      <p:nvGrpSpPr>
+        <p:cNvPr id="1" name=""/>
+        <p:cNvGrpSpPr/>
+        <p:nvPr/>
+      </p:nvGrpSpPr>
+      <p:grpSpPr>
+        <a:xfrm>
+          <a:off x="0" y="0"/>
+          <a:ext cx="0" cy="0"/>
+          <a:chOff x="0" y="0"/>
+          <a:chExt cx="0" cy="0"/>
+        </a:xfrm>
+      </p:grpSpPr>
+      <p:pic>
+        <p:nvPicPr>
+          <p:cNvPr id="4" name="Picture 3"/>
+          <p:cNvPicPr>
+            <a:picLocks noChangeAspect="1"/>
+          </p:cNvPicPr>
+          <p:nvPr/>
+        </p:nvPicPr>
+        <p:blipFill>
+          <a:blip r:embed="rId2"/>
+          <a:stretch>
+            <a:fillRect/>
+          </a:stretch>
+        </p:blipFill>
+        <p:spPr>
+          <a:xfrm>
+            <a:off x="734848" y="656727"/>
+            <a:ext cx="5972175" cy="5924550"/>
+          </a:xfrm>
+          <a:prstGeom prst="rect">
+            <a:avLst/>
+          </a:prstGeom>
+        </p:spPr>
+      </p:pic>
+      <p:sp>
+        <p:nvSpPr>
+          <p:cNvPr id="5" name="TextBox 4"/>
+          <p:cNvSpPr txBox="1"/>
+          <p:nvPr/>
+        </p:nvSpPr>
+        <p:spPr>
+          <a:xfrm>
+            <a:off x="1258784" y="-59376"/>
+            <a:ext cx="6971076" cy="646331"/>
+          </a:xfrm>
+          <a:prstGeom prst="rect">
+            <a:avLst/>
+          </a:prstGeom>
+          <a:noFill/>
+        </p:spPr>
+        <p:txBody>
+          <a:bodyPr wrap="none" rtlCol="0">
+            <a:spAutoFit/>
+          </a:bodyPr>
+          <a:lstStyle/>
+          <a:p>
+            <a:r>
+              <a:rPr lang="en-US" dirty="0" smtClean="0"/>
+              <a:t>This is a visualization that represents phylogenetic levels within Bacteria </a:t>
+            </a:r>
+          </a:p>
+          <a:p>
+            <a:r>
+              <a:rPr lang="en-US" dirty="0" smtClean="0"/>
+              <a:t>(as produced by the RDP classification algorithm on a 16S </a:t>
+            </a:r>
+            <a:r>
+              <a:rPr lang="en-US" dirty="0" err="1" smtClean="0"/>
+              <a:t>rRNA</a:t>
+            </a:r>
+            <a:r>
+              <a:rPr lang="en-US" dirty="0" smtClean="0"/>
+              <a:t> dataset)</a:t>
+            </a:r>
+            <a:endParaRPr lang="en-US" dirty="0"/>
+          </a:p>
+        </p:txBody>
+      </p:sp>
+    </p:spTree>
+    <p:extLst>
+      <p:ext uri="{BB962C8B-B14F-4D97-AF65-F5344CB8AC3E}">
+        <p14:creationId xmlns:p14="http://schemas.microsoft.com/office/powerpoint/2010/main" val="3555741039"/>
+      </p:ext>
+    </p:extLst>
+  </p:cSld>
+  <p:clrMapOvr>
+    <a:masterClrMapping/>
+  </p:clrMapOvr>
+</p:sld>
+</file>
+
 <file path=ppt/slides/slide2.xml><?xml version="1.0" encoding="utf-8"?>
 <p:sld xmlns:a="http://schemas.openxmlformats.org/drawingml/2006/main" xmlns:r="http://schemas.openxmlformats.org/officeDocument/2006/relationships" xmlns:p="http://schemas.openxmlformats.org/presentationml/2006/main">
   <p:cSld>
